--- a/gen.pptx
+++ b/gen.pptx
@@ -104,6 +104,11 @@
       </a:defRPr>
     </a:lvl9pPr>
   </p:defaultTextStyle>
+  <p:extLst>
+    <p:ext uri="{EFAFB233-063F-42B5-8137-9DF3F51BA10A}">
+      <p15:sldGuideLst xmlns:p15="http://schemas.microsoft.com/office/powerpoint/2012/main"/>
+    </p:ext>
+  </p:extLst>
 </p:presentation>
 </file>
 
@@ -3553,6 +3558,47 @@
           </a:prstGeom>
         </p:spPr>
       </p:pic>
+      <p:pic>
+        <p:nvPicPr>
+          <p:cNvPr id="3" name="Picture 2">
+            <a:extLst>
+              <a:ext uri="{FF2B5EF4-FFF2-40B4-BE49-F238E27FC236}">
+                <a16:creationId xmlns:a16="http://schemas.microsoft.com/office/drawing/2014/main" id="{C3F137DD-1A72-4735-A4B4-087CEE7C020D}"/>
+              </a:ext>
+            </a:extLst>
+          </p:cNvPr>
+          <p:cNvPicPr>
+            <a:picLocks noChangeAspect="1"/>
+          </p:cNvPicPr>
+          <p:nvPr/>
+        </p:nvPicPr>
+        <p:blipFill>
+          <a:blip r:embed="rId7">
+            <a:extLst>
+              <a:ext uri="{28A0092B-C50C-407E-A947-70E740481C1C}">
+                <a14:useLocalDpi xmlns:a14="http://schemas.microsoft.com/office/drawing/2010/main" val="0"/>
+              </a:ext>
+            </a:extLst>
+          </a:blip>
+          <a:stretch>
+            <a:fillRect/>
+          </a:stretch>
+        </p:blipFill>
+        <p:spPr>
+          <a:xfrm>
+            <a:off x="5305278" y="1071818"/>
+            <a:ext cx="5715000" cy="1905000"/>
+          </a:xfrm>
+          <a:prstGeom prst="rect">
+            <a:avLst/>
+          </a:prstGeom>
+          <a:ln>
+            <a:solidFill>
+              <a:srgbClr val="0D1117"/>
+            </a:solidFill>
+          </a:ln>
+        </p:spPr>
+      </p:pic>
     </p:spTree>
     <p:extLst>
       <p:ext uri="{BB962C8B-B14F-4D97-AF65-F5344CB8AC3E}">

--- a/gen.pptx
+++ b/gen.pptx
@@ -3560,10 +3560,10 @@
       </p:pic>
       <p:pic>
         <p:nvPicPr>
-          <p:cNvPr id="3" name="Picture 2">
-            <a:extLst>
-              <a:ext uri="{FF2B5EF4-FFF2-40B4-BE49-F238E27FC236}">
-                <a16:creationId xmlns:a16="http://schemas.microsoft.com/office/drawing/2014/main" id="{C3F137DD-1A72-4735-A4B4-087CEE7C020D}"/>
+          <p:cNvPr id="4" name="Picture 3">
+            <a:extLst>
+              <a:ext uri="{FF2B5EF4-FFF2-40B4-BE49-F238E27FC236}">
+                <a16:creationId xmlns:a16="http://schemas.microsoft.com/office/drawing/2014/main" id="{29500CE2-16F1-45F0-B6AD-E1F73071EB7D}"/>
               </a:ext>
             </a:extLst>
           </p:cNvPr>
@@ -3586,13 +3586,13 @@
         </p:blipFill>
         <p:spPr>
           <a:xfrm>
-            <a:off x="5305278" y="1071818"/>
-            <a:ext cx="5715000" cy="1905000"/>
+            <a:off x="3514725" y="857250"/>
+            <a:ext cx="5162550" cy="5143500"/>
           </a:xfrm>
           <a:prstGeom prst="rect">
             <a:avLst/>
           </a:prstGeom>
-          <a:ln>
+          <a:ln w="38100">
             <a:solidFill>
               <a:srgbClr val="0D1117"/>
             </a:solidFill>

--- a/gen.pptx
+++ b/gen.pptx
@@ -6,6 +6,7 @@
   </p:sldMasterIdLst>
   <p:sldIdLst>
     <p:sldId id="256" r:id="rId2"/>
+    <p:sldId id="257" r:id="rId3"/>
   </p:sldIdLst>
   <p:sldSz cx="12192000" cy="6858000"/>
   <p:notesSz cx="6858000" cy="9144000"/>
@@ -259,7 +260,7 @@
           <a:p>
             <a:fld id="{20C5FFC4-7B1E-4913-AF2A-2A09CB628BCD}" type="datetimeFigureOut">
               <a:rPr lang="en-US" smtClean="0"/>
-              <a:t>12/9/2020</a:t>
+              <a:t>1/3/2021</a:t>
             </a:fld>
             <a:endParaRPr lang="en-US"/>
           </a:p>
@@ -457,7 +458,7 @@
           <a:p>
             <a:fld id="{20C5FFC4-7B1E-4913-AF2A-2A09CB628BCD}" type="datetimeFigureOut">
               <a:rPr lang="en-US" smtClean="0"/>
-              <a:t>12/9/2020</a:t>
+              <a:t>1/3/2021</a:t>
             </a:fld>
             <a:endParaRPr lang="en-US"/>
           </a:p>
@@ -665,7 +666,7 @@
           <a:p>
             <a:fld id="{20C5FFC4-7B1E-4913-AF2A-2A09CB628BCD}" type="datetimeFigureOut">
               <a:rPr lang="en-US" smtClean="0"/>
-              <a:t>12/9/2020</a:t>
+              <a:t>1/3/2021</a:t>
             </a:fld>
             <a:endParaRPr lang="en-US"/>
           </a:p>
@@ -863,7 +864,7 @@
           <a:p>
             <a:fld id="{20C5FFC4-7B1E-4913-AF2A-2A09CB628BCD}" type="datetimeFigureOut">
               <a:rPr lang="en-US" smtClean="0"/>
-              <a:t>12/9/2020</a:t>
+              <a:t>1/3/2021</a:t>
             </a:fld>
             <a:endParaRPr lang="en-US"/>
           </a:p>
@@ -1138,7 +1139,7 @@
           <a:p>
             <a:fld id="{20C5FFC4-7B1E-4913-AF2A-2A09CB628BCD}" type="datetimeFigureOut">
               <a:rPr lang="en-US" smtClean="0"/>
-              <a:t>12/9/2020</a:t>
+              <a:t>1/3/2021</a:t>
             </a:fld>
             <a:endParaRPr lang="en-US"/>
           </a:p>
@@ -1403,7 +1404,7 @@
           <a:p>
             <a:fld id="{20C5FFC4-7B1E-4913-AF2A-2A09CB628BCD}" type="datetimeFigureOut">
               <a:rPr lang="en-US" smtClean="0"/>
-              <a:t>12/9/2020</a:t>
+              <a:t>1/3/2021</a:t>
             </a:fld>
             <a:endParaRPr lang="en-US"/>
           </a:p>
@@ -1815,7 +1816,7 @@
           <a:p>
             <a:fld id="{20C5FFC4-7B1E-4913-AF2A-2A09CB628BCD}" type="datetimeFigureOut">
               <a:rPr lang="en-US" smtClean="0"/>
-              <a:t>12/9/2020</a:t>
+              <a:t>1/3/2021</a:t>
             </a:fld>
             <a:endParaRPr lang="en-US"/>
           </a:p>
@@ -1956,7 +1957,7 @@
           <a:p>
             <a:fld id="{20C5FFC4-7B1E-4913-AF2A-2A09CB628BCD}" type="datetimeFigureOut">
               <a:rPr lang="en-US" smtClean="0"/>
-              <a:t>12/9/2020</a:t>
+              <a:t>1/3/2021</a:t>
             </a:fld>
             <a:endParaRPr lang="en-US"/>
           </a:p>
@@ -2069,7 +2070,7 @@
           <a:p>
             <a:fld id="{20C5FFC4-7B1E-4913-AF2A-2A09CB628BCD}" type="datetimeFigureOut">
               <a:rPr lang="en-US" smtClean="0"/>
-              <a:t>12/9/2020</a:t>
+              <a:t>1/3/2021</a:t>
             </a:fld>
             <a:endParaRPr lang="en-US"/>
           </a:p>
@@ -2380,7 +2381,7 @@
           <a:p>
             <a:fld id="{20C5FFC4-7B1E-4913-AF2A-2A09CB628BCD}" type="datetimeFigureOut">
               <a:rPr lang="en-US" smtClean="0"/>
-              <a:t>12/9/2020</a:t>
+              <a:t>1/3/2021</a:t>
             </a:fld>
             <a:endParaRPr lang="en-US"/>
           </a:p>
@@ -2668,7 +2669,7 @@
           <a:p>
             <a:fld id="{20C5FFC4-7B1E-4913-AF2A-2A09CB628BCD}" type="datetimeFigureOut">
               <a:rPr lang="en-US" smtClean="0"/>
-              <a:t>12/9/2020</a:t>
+              <a:t>1/3/2021</a:t>
             </a:fld>
             <a:endParaRPr lang="en-US"/>
           </a:p>
@@ -2909,7 +2910,7 @@
           <a:p>
             <a:fld id="{20C5FFC4-7B1E-4913-AF2A-2A09CB628BCD}" type="datetimeFigureOut">
               <a:rPr lang="en-US" smtClean="0"/>
-              <a:t>12/9/2020</a:t>
+              <a:t>1/3/2021</a:t>
             </a:fld>
             <a:endParaRPr lang="en-US"/>
           </a:p>
@@ -3586,7 +3587,7 @@
         </p:blipFill>
         <p:spPr>
           <a:xfrm>
-            <a:off x="3514725" y="857250"/>
+            <a:off x="4288448" y="199585"/>
             <a:ext cx="5162550" cy="5143500"/>
           </a:xfrm>
           <a:prstGeom prst="rect">
@@ -3603,6 +3604,132 @@
     <p:extLst>
       <p:ext uri="{BB962C8B-B14F-4D97-AF65-F5344CB8AC3E}">
         <p14:creationId xmlns:p14="http://schemas.microsoft.com/office/powerpoint/2010/main" val="3052589354"/>
+      </p:ext>
+    </p:extLst>
+  </p:cSld>
+  <p:clrMapOvr>
+    <a:masterClrMapping/>
+  </p:clrMapOvr>
+</p:sld>
+</file>
+
+<file path=ppt/slides/slide2.xml><?xml version="1.0" encoding="utf-8"?>
+<p:sld xmlns:a="http://schemas.openxmlformats.org/drawingml/2006/main" xmlns:r="http://schemas.openxmlformats.org/officeDocument/2006/relationships" xmlns:p="http://schemas.openxmlformats.org/presentationml/2006/main">
+  <p:cSld>
+    <p:spTree>
+      <p:nvGrpSpPr>
+        <p:cNvPr id="1" name=""/>
+        <p:cNvGrpSpPr/>
+        <p:nvPr/>
+      </p:nvGrpSpPr>
+      <p:grpSpPr>
+        <a:xfrm>
+          <a:off x="0" y="0"/>
+          <a:ext cx="0" cy="0"/>
+          <a:chOff x="0" y="0"/>
+          <a:chExt cx="0" cy="0"/>
+        </a:xfrm>
+      </p:grpSpPr>
+      <p:pic>
+        <p:nvPicPr>
+          <p:cNvPr id="5" name="Picture 4">
+            <a:extLst>
+              <a:ext uri="{FF2B5EF4-FFF2-40B4-BE49-F238E27FC236}">
+                <a16:creationId xmlns:a16="http://schemas.microsoft.com/office/drawing/2014/main" id="{619AF577-6893-4B3D-AEB5-CD6328D896C0}"/>
+              </a:ext>
+            </a:extLst>
+          </p:cNvPr>
+          <p:cNvPicPr>
+            <a:picLocks noChangeAspect="1"/>
+          </p:cNvPicPr>
+          <p:nvPr/>
+        </p:nvPicPr>
+        <p:blipFill rotWithShape="1">
+          <a:blip r:embed="rId2">
+            <a:extLst>
+              <a:ext uri="{BEBA8EAE-BF5A-486C-A8C5-ECC9F3942E4B}">
+                <a14:imgProps xmlns:a14="http://schemas.microsoft.com/office/drawing/2010/main">
+                  <a14:imgLayer r:embed="rId3">
+                    <a14:imgEffect>
+                      <a14:backgroundRemoval t="7778" b="92111" l="10000" r="90000">
+                        <a14:foregroundMark x1="49000" y1="91444" x2="51556" y2="92222"/>
+                        <a14:foregroundMark x1="50333" y1="8222" x2="49667" y2="7778"/>
+                      </a14:backgroundRemoval>
+                    </a14:imgEffect>
+                  </a14:imgLayer>
+                </a14:imgProps>
+              </a:ext>
+              <a:ext uri="{28A0092B-C50C-407E-A947-70E740481C1C}">
+                <a14:useLocalDpi xmlns:a14="http://schemas.microsoft.com/office/drawing/2010/main" val="0"/>
+              </a:ext>
+            </a:extLst>
+          </a:blip>
+          <a:srcRect l="9257" t="5926" r="9260" b="4551"/>
+          <a:stretch/>
+        </p:blipFill>
+        <p:spPr>
+          <a:xfrm>
+            <a:off x="508000" y="551542"/>
+            <a:ext cx="5588000" cy="6139543"/>
+          </a:xfrm>
+          <a:prstGeom prst="rect">
+            <a:avLst/>
+          </a:prstGeom>
+        </p:spPr>
+      </p:pic>
+      <p:pic>
+        <p:nvPicPr>
+          <p:cNvPr id="11" name="Picture 10">
+            <a:extLst>
+              <a:ext uri="{FF2B5EF4-FFF2-40B4-BE49-F238E27FC236}">
+                <a16:creationId xmlns:a16="http://schemas.microsoft.com/office/drawing/2014/main" id="{FC0B1424-A241-4BE0-A6E9-FB56FCBED316}"/>
+              </a:ext>
+            </a:extLst>
+          </p:cNvPr>
+          <p:cNvPicPr>
+            <a:picLocks noChangeAspect="1"/>
+          </p:cNvPicPr>
+          <p:nvPr/>
+        </p:nvPicPr>
+        <p:blipFill rotWithShape="1">
+          <a:blip r:embed="rId4">
+            <a:extLst>
+              <a:ext uri="{BEBA8EAE-BF5A-486C-A8C5-ECC9F3942E4B}">
+                <a14:imgProps xmlns:a14="http://schemas.microsoft.com/office/drawing/2010/main">
+                  <a14:imgLayer r:embed="rId5">
+                    <a14:imgEffect>
+                      <a14:backgroundRemoval t="10000" b="90000" l="10000" r="90000">
+                        <a14:foregroundMark x1="38000" y1="47833" x2="48250" y2="44167"/>
+                        <a14:foregroundMark x1="52125" y1="44833" x2="55875" y2="36667"/>
+                        <a14:foregroundMark x1="55875" y1="36667" x2="53000" y2="28167"/>
+                        <a14:foregroundMark x1="53000" y1="28167" x2="52875" y2="28167"/>
+                      </a14:backgroundRemoval>
+                    </a14:imgEffect>
+                  </a14:imgLayer>
+                </a14:imgProps>
+              </a:ext>
+              <a:ext uri="{28A0092B-C50C-407E-A947-70E740481C1C}">
+                <a14:useLocalDpi xmlns:a14="http://schemas.microsoft.com/office/drawing/2010/main" val="0"/>
+              </a:ext>
+            </a:extLst>
+          </a:blip>
+          <a:srcRect l="29239" t="23937" r="29238" b="23238"/>
+          <a:stretch/>
+        </p:blipFill>
+        <p:spPr>
+          <a:xfrm>
+            <a:off x="5994400" y="1625599"/>
+            <a:ext cx="3164114" cy="3018971"/>
+          </a:xfrm>
+          <a:prstGeom prst="rect">
+            <a:avLst/>
+          </a:prstGeom>
+        </p:spPr>
+      </p:pic>
+    </p:spTree>
+    <p:extLst>
+      <p:ext uri="{BB962C8B-B14F-4D97-AF65-F5344CB8AC3E}">
+        <p14:creationId xmlns:p14="http://schemas.microsoft.com/office/powerpoint/2010/main" val="4233324355"/>
       </p:ext>
     </p:extLst>
   </p:cSld>

--- a/gen.pptx
+++ b/gen.pptx
@@ -3616,6 +3616,14 @@
 <file path=ppt/slides/slide2.xml><?xml version="1.0" encoding="utf-8"?>
 <p:sld xmlns:a="http://schemas.openxmlformats.org/drawingml/2006/main" xmlns:r="http://schemas.openxmlformats.org/officeDocument/2006/relationships" xmlns:p="http://schemas.openxmlformats.org/presentationml/2006/main">
   <p:cSld>
+    <p:bg>
+      <p:bgPr>
+        <a:solidFill>
+          <a:schemeClr val="tx1"/>
+        </a:solidFill>
+        <a:effectLst/>
+      </p:bgPr>
+    </p:bg>
     <p:spTree>
       <p:nvGrpSpPr>
         <p:cNvPr id="1" name=""/>
@@ -3630,53 +3638,251 @@
           <a:chExt cx="0" cy="0"/>
         </a:xfrm>
       </p:grpSpPr>
-      <p:pic>
-        <p:nvPicPr>
-          <p:cNvPr id="5" name="Picture 4">
-            <a:extLst>
-              <a:ext uri="{FF2B5EF4-FFF2-40B4-BE49-F238E27FC236}">
-                <a16:creationId xmlns:a16="http://schemas.microsoft.com/office/drawing/2014/main" id="{619AF577-6893-4B3D-AEB5-CD6328D896C0}"/>
-              </a:ext>
-            </a:extLst>
-          </p:cNvPr>
-          <p:cNvPicPr>
-            <a:picLocks noChangeAspect="1"/>
-          </p:cNvPicPr>
+      <p:grpSp>
+        <p:nvGrpSpPr>
+          <p:cNvPr id="7" name="Group 6">
+            <a:extLst>
+              <a:ext uri="{FF2B5EF4-FFF2-40B4-BE49-F238E27FC236}">
+                <a16:creationId xmlns:a16="http://schemas.microsoft.com/office/drawing/2014/main" id="{AF01F062-CBF1-46AF-85D5-2657AEEA5D00}"/>
+              </a:ext>
+            </a:extLst>
+          </p:cNvPr>
+          <p:cNvGrpSpPr/>
           <p:nvPr/>
-        </p:nvPicPr>
-        <p:blipFill rotWithShape="1">
-          <a:blip r:embed="rId2">
-            <a:extLst>
-              <a:ext uri="{BEBA8EAE-BF5A-486C-A8C5-ECC9F3942E4B}">
-                <a14:imgProps xmlns:a14="http://schemas.microsoft.com/office/drawing/2010/main">
-                  <a14:imgLayer r:embed="rId3">
-                    <a14:imgEffect>
-                      <a14:backgroundRemoval t="7778" b="92111" l="10000" r="90000">
-                        <a14:foregroundMark x1="49000" y1="91444" x2="51556" y2="92222"/>
-                        <a14:foregroundMark x1="50333" y1="8222" x2="49667" y2="7778"/>
-                      </a14:backgroundRemoval>
-                    </a14:imgEffect>
-                  </a14:imgLayer>
-                </a14:imgProps>
-              </a:ext>
-              <a:ext uri="{28A0092B-C50C-407E-A947-70E740481C1C}">
-                <a14:useLocalDpi xmlns:a14="http://schemas.microsoft.com/office/drawing/2010/main" val="0"/>
-              </a:ext>
-            </a:extLst>
-          </a:blip>
-          <a:srcRect l="9257" t="5926" r="9260" b="4551"/>
-          <a:stretch/>
-        </p:blipFill>
-        <p:spPr>
+        </p:nvGrpSpPr>
+        <p:grpSpPr>
           <a:xfrm>
-            <a:off x="508000" y="551542"/>
+            <a:off x="508000" y="599884"/>
             <a:ext cx="5588000" cy="6139543"/>
+            <a:chOff x="508000" y="599884"/>
+            <a:chExt cx="5588000" cy="6139543"/>
           </a:xfrm>
-          <a:prstGeom prst="rect">
-            <a:avLst/>
-          </a:prstGeom>
-        </p:spPr>
-      </p:pic>
+        </p:grpSpPr>
+        <p:sp>
+          <p:nvSpPr>
+            <p:cNvPr id="6" name="Rectangle 5">
+              <a:extLst>
+                <a:ext uri="{FF2B5EF4-FFF2-40B4-BE49-F238E27FC236}">
+                  <a16:creationId xmlns:a16="http://schemas.microsoft.com/office/drawing/2014/main" id="{B09828A6-90EC-4886-B8CF-58E16A431739}"/>
+                </a:ext>
+              </a:extLst>
+            </p:cNvPr>
+            <p:cNvSpPr/>
+            <p:nvPr/>
+          </p:nvSpPr>
+          <p:spPr>
+            <a:xfrm>
+              <a:off x="4502443" y="2169995"/>
+              <a:ext cx="1420837" cy="2878294"/>
+            </a:xfrm>
+            <a:prstGeom prst="rect">
+              <a:avLst/>
+            </a:prstGeom>
+            <a:solidFill>
+              <a:schemeClr val="bg1"/>
+            </a:solidFill>
+            <a:ln>
+              <a:noFill/>
+            </a:ln>
+          </p:spPr>
+          <p:style>
+            <a:lnRef idx="2">
+              <a:schemeClr val="accent1">
+                <a:shade val="50000"/>
+              </a:schemeClr>
+            </a:lnRef>
+            <a:fillRef idx="1">
+              <a:schemeClr val="accent1"/>
+            </a:fillRef>
+            <a:effectRef idx="0">
+              <a:schemeClr val="accent1"/>
+            </a:effectRef>
+            <a:fontRef idx="minor">
+              <a:schemeClr val="lt1"/>
+            </a:fontRef>
+          </p:style>
+          <p:txBody>
+            <a:bodyPr rtlCol="0" anchor="ctr"/>
+            <a:lstStyle/>
+            <a:p>
+              <a:pPr algn="ctr"/>
+              <a:endParaRPr lang="en-US"/>
+            </a:p>
+          </p:txBody>
+        </p:sp>
+        <p:grpSp>
+          <p:nvGrpSpPr>
+            <p:cNvPr id="4" name="Group 3">
+              <a:extLst>
+                <a:ext uri="{FF2B5EF4-FFF2-40B4-BE49-F238E27FC236}">
+                  <a16:creationId xmlns:a16="http://schemas.microsoft.com/office/drawing/2014/main" id="{FCD3C338-B772-41AC-9398-5E374AD7880C}"/>
+                </a:ext>
+              </a:extLst>
+            </p:cNvPr>
+            <p:cNvGrpSpPr/>
+            <p:nvPr/>
+          </p:nvGrpSpPr>
+          <p:grpSpPr>
+            <a:xfrm>
+              <a:off x="508000" y="599884"/>
+              <a:ext cx="5588000" cy="6139543"/>
+              <a:chOff x="508000" y="551542"/>
+              <a:chExt cx="5588000" cy="6139543"/>
+            </a:xfrm>
+          </p:grpSpPr>
+          <p:sp>
+            <p:nvSpPr>
+              <p:cNvPr id="3" name="Rectangle 2">
+                <a:extLst>
+                  <a:ext uri="{FF2B5EF4-FFF2-40B4-BE49-F238E27FC236}">
+                    <a16:creationId xmlns:a16="http://schemas.microsoft.com/office/drawing/2014/main" id="{44073B5D-8BCB-4ABF-A04C-39C8F57F457B}"/>
+                  </a:ext>
+                </a:extLst>
+              </p:cNvPr>
+              <p:cNvSpPr/>
+              <p:nvPr/>
+            </p:nvSpPr>
+            <p:spPr>
+              <a:xfrm>
+                <a:off x="1533378" y="1519310"/>
+                <a:ext cx="3432518" cy="4093699"/>
+              </a:xfrm>
+              <a:prstGeom prst="rect">
+                <a:avLst/>
+              </a:prstGeom>
+              <a:solidFill>
+                <a:schemeClr val="bg1"/>
+              </a:solidFill>
+              <a:ln>
+                <a:noFill/>
+              </a:ln>
+            </p:spPr>
+            <p:style>
+              <a:lnRef idx="2">
+                <a:schemeClr val="accent1">
+                  <a:shade val="50000"/>
+                </a:schemeClr>
+              </a:lnRef>
+              <a:fillRef idx="1">
+                <a:schemeClr val="accent1"/>
+              </a:fillRef>
+              <a:effectRef idx="0">
+                <a:schemeClr val="accent1"/>
+              </a:effectRef>
+              <a:fontRef idx="minor">
+                <a:schemeClr val="lt1"/>
+              </a:fontRef>
+            </p:style>
+            <p:txBody>
+              <a:bodyPr rtlCol="0" anchor="ctr"/>
+              <a:lstStyle/>
+              <a:p>
+                <a:pPr algn="ctr"/>
+                <a:endParaRPr lang="en-US"/>
+              </a:p>
+            </p:txBody>
+          </p:sp>
+          <p:sp>
+            <p:nvSpPr>
+              <p:cNvPr id="2" name="Rectangle 1">
+                <a:extLst>
+                  <a:ext uri="{FF2B5EF4-FFF2-40B4-BE49-F238E27FC236}">
+                    <a16:creationId xmlns:a16="http://schemas.microsoft.com/office/drawing/2014/main" id="{5BA6170C-F619-44F9-9860-BCD847A9C19A}"/>
+                  </a:ext>
+                </a:extLst>
+              </p:cNvPr>
+              <p:cNvSpPr/>
+              <p:nvPr/>
+            </p:nvSpPr>
+            <p:spPr>
+              <a:xfrm>
+                <a:off x="924560" y="2477030"/>
+                <a:ext cx="4927600" cy="2167540"/>
+              </a:xfrm>
+              <a:prstGeom prst="rect">
+                <a:avLst/>
+              </a:prstGeom>
+              <a:solidFill>
+                <a:schemeClr val="bg1"/>
+              </a:solidFill>
+              <a:ln>
+                <a:noFill/>
+              </a:ln>
+            </p:spPr>
+            <p:style>
+              <a:lnRef idx="2">
+                <a:schemeClr val="accent1">
+                  <a:shade val="50000"/>
+                </a:schemeClr>
+              </a:lnRef>
+              <a:fillRef idx="1">
+                <a:schemeClr val="accent1"/>
+              </a:fillRef>
+              <a:effectRef idx="0">
+                <a:schemeClr val="accent1"/>
+              </a:effectRef>
+              <a:fontRef idx="minor">
+                <a:schemeClr val="lt1"/>
+              </a:fontRef>
+            </p:style>
+            <p:txBody>
+              <a:bodyPr rtlCol="0" anchor="ctr"/>
+              <a:lstStyle/>
+              <a:p>
+                <a:pPr algn="ctr"/>
+                <a:endParaRPr lang="en-US"/>
+              </a:p>
+            </p:txBody>
+          </p:sp>
+          <p:pic>
+            <p:nvPicPr>
+              <p:cNvPr id="5" name="Picture 4">
+                <a:extLst>
+                  <a:ext uri="{FF2B5EF4-FFF2-40B4-BE49-F238E27FC236}">
+                    <a16:creationId xmlns:a16="http://schemas.microsoft.com/office/drawing/2014/main" id="{619AF577-6893-4B3D-AEB5-CD6328D896C0}"/>
+                  </a:ext>
+                </a:extLst>
+              </p:cNvPr>
+              <p:cNvPicPr>
+                <a:picLocks noChangeAspect="1"/>
+              </p:cNvPicPr>
+              <p:nvPr/>
+            </p:nvPicPr>
+            <p:blipFill rotWithShape="1">
+              <a:blip r:embed="rId2">
+                <a:extLst>
+                  <a:ext uri="{BEBA8EAE-BF5A-486C-A8C5-ECC9F3942E4B}">
+                    <a14:imgProps xmlns:a14="http://schemas.microsoft.com/office/drawing/2010/main">
+                      <a14:imgLayer r:embed="rId3">
+                        <a14:imgEffect>
+                          <a14:backgroundRemoval t="7778" b="92111" l="10000" r="90000">
+                            <a14:foregroundMark x1="49000" y1="91444" x2="51556" y2="92222"/>
+                            <a14:foregroundMark x1="50333" y1="8222" x2="49667" y2="7778"/>
+                          </a14:backgroundRemoval>
+                        </a14:imgEffect>
+                      </a14:imgLayer>
+                    </a14:imgProps>
+                  </a:ext>
+                  <a:ext uri="{28A0092B-C50C-407E-A947-70E740481C1C}">
+                    <a14:useLocalDpi xmlns:a14="http://schemas.microsoft.com/office/drawing/2010/main" val="0"/>
+                  </a:ext>
+                </a:extLst>
+              </a:blip>
+              <a:srcRect l="9257" t="5926" r="9260" b="4551"/>
+              <a:stretch/>
+            </p:blipFill>
+            <p:spPr>
+              <a:xfrm>
+                <a:off x="508000" y="551542"/>
+                <a:ext cx="5588000" cy="6139543"/>
+              </a:xfrm>
+              <a:prstGeom prst="rect">
+                <a:avLst/>
+              </a:prstGeom>
+            </p:spPr>
+          </p:pic>
+        </p:grpSp>
+      </p:grpSp>
       <p:pic>
         <p:nvPicPr>
           <p:cNvPr id="11" name="Picture 10">

--- a/gen.pptx
+++ b/gen.pptx
@@ -260,7 +260,7 @@
           <a:p>
             <a:fld id="{20C5FFC4-7B1E-4913-AF2A-2A09CB628BCD}" type="datetimeFigureOut">
               <a:rPr lang="en-US" smtClean="0"/>
-              <a:t>1/3/2021</a:t>
+              <a:t>2/18/2021</a:t>
             </a:fld>
             <a:endParaRPr lang="en-US"/>
           </a:p>
@@ -458,7 +458,7 @@
           <a:p>
             <a:fld id="{20C5FFC4-7B1E-4913-AF2A-2A09CB628BCD}" type="datetimeFigureOut">
               <a:rPr lang="en-US" smtClean="0"/>
-              <a:t>1/3/2021</a:t>
+              <a:t>2/18/2021</a:t>
             </a:fld>
             <a:endParaRPr lang="en-US"/>
           </a:p>
@@ -666,7 +666,7 @@
           <a:p>
             <a:fld id="{20C5FFC4-7B1E-4913-AF2A-2A09CB628BCD}" type="datetimeFigureOut">
               <a:rPr lang="en-US" smtClean="0"/>
-              <a:t>1/3/2021</a:t>
+              <a:t>2/18/2021</a:t>
             </a:fld>
             <a:endParaRPr lang="en-US"/>
           </a:p>
@@ -864,7 +864,7 @@
           <a:p>
             <a:fld id="{20C5FFC4-7B1E-4913-AF2A-2A09CB628BCD}" type="datetimeFigureOut">
               <a:rPr lang="en-US" smtClean="0"/>
-              <a:t>1/3/2021</a:t>
+              <a:t>2/18/2021</a:t>
             </a:fld>
             <a:endParaRPr lang="en-US"/>
           </a:p>
@@ -1139,7 +1139,7 @@
           <a:p>
             <a:fld id="{20C5FFC4-7B1E-4913-AF2A-2A09CB628BCD}" type="datetimeFigureOut">
               <a:rPr lang="en-US" smtClean="0"/>
-              <a:t>1/3/2021</a:t>
+              <a:t>2/18/2021</a:t>
             </a:fld>
             <a:endParaRPr lang="en-US"/>
           </a:p>
@@ -1404,7 +1404,7 @@
           <a:p>
             <a:fld id="{20C5FFC4-7B1E-4913-AF2A-2A09CB628BCD}" type="datetimeFigureOut">
               <a:rPr lang="en-US" smtClean="0"/>
-              <a:t>1/3/2021</a:t>
+              <a:t>2/18/2021</a:t>
             </a:fld>
             <a:endParaRPr lang="en-US"/>
           </a:p>
@@ -1816,7 +1816,7 @@
           <a:p>
             <a:fld id="{20C5FFC4-7B1E-4913-AF2A-2A09CB628BCD}" type="datetimeFigureOut">
               <a:rPr lang="en-US" smtClean="0"/>
-              <a:t>1/3/2021</a:t>
+              <a:t>2/18/2021</a:t>
             </a:fld>
             <a:endParaRPr lang="en-US"/>
           </a:p>
@@ -1957,7 +1957,7 @@
           <a:p>
             <a:fld id="{20C5FFC4-7B1E-4913-AF2A-2A09CB628BCD}" type="datetimeFigureOut">
               <a:rPr lang="en-US" smtClean="0"/>
-              <a:t>1/3/2021</a:t>
+              <a:t>2/18/2021</a:t>
             </a:fld>
             <a:endParaRPr lang="en-US"/>
           </a:p>
@@ -2070,7 +2070,7 @@
           <a:p>
             <a:fld id="{20C5FFC4-7B1E-4913-AF2A-2A09CB628BCD}" type="datetimeFigureOut">
               <a:rPr lang="en-US" smtClean="0"/>
-              <a:t>1/3/2021</a:t>
+              <a:t>2/18/2021</a:t>
             </a:fld>
             <a:endParaRPr lang="en-US"/>
           </a:p>
@@ -2381,7 +2381,7 @@
           <a:p>
             <a:fld id="{20C5FFC4-7B1E-4913-AF2A-2A09CB628BCD}" type="datetimeFigureOut">
               <a:rPr lang="en-US" smtClean="0"/>
-              <a:t>1/3/2021</a:t>
+              <a:t>2/18/2021</a:t>
             </a:fld>
             <a:endParaRPr lang="en-US"/>
           </a:p>
@@ -2669,7 +2669,7 @@
           <a:p>
             <a:fld id="{20C5FFC4-7B1E-4913-AF2A-2A09CB628BCD}" type="datetimeFigureOut">
               <a:rPr lang="en-US" smtClean="0"/>
-              <a:t>1/3/2021</a:t>
+              <a:t>2/18/2021</a:t>
             </a:fld>
             <a:endParaRPr lang="en-US"/>
           </a:p>
@@ -2910,7 +2910,7 @@
           <a:p>
             <a:fld id="{20C5FFC4-7B1E-4913-AF2A-2A09CB628BCD}" type="datetimeFigureOut">
               <a:rPr lang="en-US" smtClean="0"/>
-              <a:t>1/3/2021</a:t>
+              <a:t>2/18/2021</a:t>
             </a:fld>
             <a:endParaRPr lang="en-US"/>
           </a:p>
@@ -3463,7 +3463,7 @@
         </p:blipFill>
         <p:spPr>
           <a:xfrm>
-            <a:off x="1167291" y="2771335"/>
+            <a:off x="6293820" y="214533"/>
             <a:ext cx="3221501" cy="3165231"/>
           </a:xfrm>
           <a:prstGeom prst="rect">
@@ -3587,7 +3587,7 @@
         </p:blipFill>
         <p:spPr>
           <a:xfrm>
-            <a:off x="4288448" y="199585"/>
+            <a:off x="5323295" y="-250582"/>
             <a:ext cx="5162550" cy="5143500"/>
           </a:xfrm>
           <a:prstGeom prst="rect">
@@ -3600,6 +3600,115 @@
           </a:ln>
         </p:spPr>
       </p:pic>
+      <p:grpSp>
+        <p:nvGrpSpPr>
+          <p:cNvPr id="8" name="Group 7">
+            <a:extLst>
+              <a:ext uri="{FF2B5EF4-FFF2-40B4-BE49-F238E27FC236}">
+                <a16:creationId xmlns:a16="http://schemas.microsoft.com/office/drawing/2014/main" id="{D4E2A40E-3F9B-4BB4-9581-705C8C21ADD7}"/>
+              </a:ext>
+            </a:extLst>
+          </p:cNvPr>
+          <p:cNvGrpSpPr/>
+          <p:nvPr/>
+        </p:nvGrpSpPr>
+        <p:grpSpPr>
+          <a:xfrm>
+            <a:off x="198379" y="2831760"/>
+            <a:ext cx="3881238" cy="3881238"/>
+            <a:chOff x="198379" y="2831760"/>
+            <a:chExt cx="3881238" cy="3881238"/>
+          </a:xfrm>
+        </p:grpSpPr>
+        <p:sp>
+          <p:nvSpPr>
+            <p:cNvPr id="6" name="Rectangle 5">
+              <a:extLst>
+                <a:ext uri="{FF2B5EF4-FFF2-40B4-BE49-F238E27FC236}">
+                  <a16:creationId xmlns:a16="http://schemas.microsoft.com/office/drawing/2014/main" id="{9AF55D69-792D-4367-AD78-7E6BB252B552}"/>
+                </a:ext>
+              </a:extLst>
+            </p:cNvPr>
+            <p:cNvSpPr/>
+            <p:nvPr/>
+          </p:nvSpPr>
+          <p:spPr>
+            <a:xfrm>
+              <a:off x="422031" y="3080825"/>
+              <a:ext cx="3419592" cy="3390313"/>
+            </a:xfrm>
+            <a:prstGeom prst="rect">
+              <a:avLst/>
+            </a:prstGeom>
+            <a:solidFill>
+              <a:schemeClr val="bg1"/>
+            </a:solidFill>
+            <a:ln>
+              <a:noFill/>
+            </a:ln>
+          </p:spPr>
+          <p:style>
+            <a:lnRef idx="2">
+              <a:schemeClr val="accent1">
+                <a:shade val="50000"/>
+              </a:schemeClr>
+            </a:lnRef>
+            <a:fillRef idx="1">
+              <a:schemeClr val="accent1"/>
+            </a:fillRef>
+            <a:effectRef idx="0">
+              <a:schemeClr val="accent1"/>
+            </a:effectRef>
+            <a:fontRef idx="minor">
+              <a:schemeClr val="lt1"/>
+            </a:fontRef>
+          </p:style>
+          <p:txBody>
+            <a:bodyPr rtlCol="0" anchor="ctr"/>
+            <a:lstStyle/>
+            <a:p>
+              <a:pPr algn="ctr"/>
+              <a:endParaRPr lang="en-US"/>
+            </a:p>
+          </p:txBody>
+        </p:sp>
+        <p:pic>
+          <p:nvPicPr>
+            <p:cNvPr id="3" name="Picture 2">
+              <a:extLst>
+                <a:ext uri="{FF2B5EF4-FFF2-40B4-BE49-F238E27FC236}">
+                  <a16:creationId xmlns:a16="http://schemas.microsoft.com/office/drawing/2014/main" id="{949E4CEA-ED10-4433-B361-9B5C4DEC6A45}"/>
+                </a:ext>
+              </a:extLst>
+            </p:cNvPr>
+            <p:cNvPicPr>
+              <a:picLocks noChangeAspect="1"/>
+            </p:cNvPicPr>
+            <p:nvPr/>
+          </p:nvPicPr>
+          <p:blipFill>
+            <a:blip r:embed="rId8">
+              <a:extLst>
+                <a:ext uri="{28A0092B-C50C-407E-A947-70E740481C1C}">
+                  <a14:useLocalDpi xmlns:a14="http://schemas.microsoft.com/office/drawing/2010/main" val="0"/>
+                </a:ext>
+              </a:extLst>
+            </a:blip>
+            <a:stretch>
+              <a:fillRect/>
+            </a:stretch>
+          </p:blipFill>
+          <p:spPr>
+            <a:xfrm>
+              <a:off x="198379" y="2831760"/>
+              <a:ext cx="3881238" cy="3881238"/>
+            </a:xfrm>
+            <a:prstGeom prst="rect">
+              <a:avLst/>
+            </a:prstGeom>
+          </p:spPr>
+        </p:pic>
+      </p:grpSp>
     </p:spTree>
     <p:extLst>
       <p:ext uri="{BB962C8B-B14F-4D97-AF65-F5344CB8AC3E}">
